--- a/slides/02-x-data-exercise.pptx
+++ b/slides/02-x-data-exercise.pptx
@@ -8,9 +8,8 @@
   <p:sldIdLst>
     <p:sldId id="256" r:id="rId3"/>
     <p:sldId id="257" r:id="rId4"/>
-    <p:sldId id="260" r:id="rId5"/>
-    <p:sldId id="258" r:id="rId6"/>
-    <p:sldId id="259" r:id="rId7"/>
+    <p:sldId id="258" r:id="rId5"/>
+    <p:sldId id="259" r:id="rId6"/>
   </p:sldIdLst>
   <p:sldSz cx="12192000" cy="6858000"/>
   <p:notesSz cx="7559675" cy="10691813"/>
@@ -4345,7 +4344,7 @@
       </p:grpSpPr>
       <p:sp>
         <p:nvSpPr>
-          <p:cNvPr id="81" name="TextShape 1"/>
+          <p:cNvPr id="84" name="TextShape 1"/>
           <p:cNvSpPr txBox="1"/>
           <p:nvPr/>
         </p:nvSpPr>
@@ -4368,152 +4367,42 @@
               </a:lnSpc>
             </a:pPr>
             <a:r>
-              <a:rPr lang="en-US" sz="4400">
+              <a:rPr lang="en-US" sz="4400" dirty="0" smtClean="0">
                 <a:solidFill>
                   <a:srgbClr val="000000"/>
                 </a:solidFill>
                 <a:latin typeface="Calibri Light"/>
               </a:rPr>
-              <a:t>Implement the UPDATE (Data &amp; Objects)</a:t>
+              <a:t>Step #1: add data.js </a:t>
             </a:r>
-            <a:endParaRPr/>
-          </a:p>
-        </p:txBody>
-      </p:sp>
-      <p:sp>
-        <p:nvSpPr>
-          <p:cNvPr id="82" name="TextShape 2"/>
-          <p:cNvSpPr txBox="1"/>
-          <p:nvPr/>
-        </p:nvSpPr>
-        <p:spPr>
-          <a:xfrm>
-            <a:off x="838080" y="1825560"/>
-            <a:ext cx="10515240" cy="4350960"/>
-          </a:xfrm>
-          <a:prstGeom prst="rect">
-            <a:avLst/>
-          </a:prstGeom>
-        </p:spPr>
-        <p:txBody>
-          <a:bodyPr/>
-          <a:lstStyle/>
-          <a:p>
-            <a:pPr>
-              <a:lnSpc>
-                <a:spcPct val="90000"/>
-              </a:lnSpc>
-              <a:buFont typeface="Arial"/>
-              <a:buChar char="•"/>
-            </a:pPr>
             <a:r>
-              <a:rPr lang="en-US" sz="2800" dirty="0">
+              <a:rPr lang="en-US" sz="4400" dirty="0" err="1" smtClean="0">
                 <a:solidFill>
                   <a:srgbClr val="000000"/>
                 </a:solidFill>
-                <a:latin typeface="Calibri"/>
-              </a:rPr>
-              <a:t>Modify data.js to support </a:t>
-            </a:r>
-            <a:r>
-              <a:rPr lang="en-US" sz="2800" dirty="0" smtClean="0">
-                <a:solidFill>
-                  <a:srgbClr val="000000"/>
-                </a:solidFill>
-                <a:latin typeface="Calibri"/>
-              </a:rPr>
-              <a:t>“</a:t>
-            </a:r>
-            <a:r>
-              <a:rPr lang="en-US" sz="2800" dirty="0" err="1" smtClean="0">
-                <a:solidFill>
-                  <a:srgbClr val="000000"/>
-                </a:solidFill>
-                <a:latin typeface="Calibri"/>
+                <a:latin typeface="Calibri Light"/>
               </a:rPr>
               <a:t>removeItem</a:t>
             </a:r>
             <a:r>
-              <a:rPr lang="en-US" sz="2800" dirty="0" smtClean="0">
+              <a:rPr lang="en-US" sz="4400" dirty="0" smtClean="0">
                 <a:solidFill>
                   <a:srgbClr val="000000"/>
                 </a:solidFill>
-                <a:latin typeface="Calibri"/>
+                <a:latin typeface="Calibri Light"/>
               </a:rPr>
-              <a:t>”</a:t>
+              <a:t>()</a:t>
             </a:r>
             <a:endParaRPr dirty="0"/>
           </a:p>
-          <a:p>
-            <a:pPr>
-              <a:lnSpc>
-                <a:spcPct val="90000"/>
-              </a:lnSpc>
-              <a:buFont typeface="Arial"/>
-              <a:buChar char="•"/>
-            </a:pPr>
-            <a:r>
-              <a:rPr lang="en-US" sz="2800" dirty="0">
-                <a:solidFill>
-                  <a:srgbClr val="000000"/>
-                </a:solidFill>
-                <a:latin typeface="Calibri"/>
-              </a:rPr>
-              <a:t>Modify </a:t>
-            </a:r>
-            <a:r>
-              <a:rPr lang="en-US" sz="2800" dirty="0" smtClean="0">
-                <a:solidFill>
-                  <a:srgbClr val="000000"/>
-                </a:solidFill>
-                <a:latin typeface="Calibri"/>
-              </a:rPr>
-              <a:t>task.js to </a:t>
-            </a:r>
-            <a:r>
-              <a:rPr lang="en-US" sz="2800" dirty="0">
-                <a:solidFill>
-                  <a:srgbClr val="000000"/>
-                </a:solidFill>
-                <a:latin typeface="Calibri"/>
-              </a:rPr>
-              <a:t>support </a:t>
-            </a:r>
-            <a:r>
-              <a:rPr lang="en-US" sz="2800" dirty="0" smtClean="0">
-                <a:solidFill>
-                  <a:srgbClr val="000000"/>
-                </a:solidFill>
-                <a:latin typeface="Calibri"/>
-              </a:rPr>
-              <a:t>“</a:t>
-            </a:r>
-            <a:r>
-              <a:rPr lang="en-US" sz="2800" dirty="0" err="1" smtClean="0">
-                <a:solidFill>
-                  <a:srgbClr val="000000"/>
-                </a:solidFill>
-                <a:latin typeface="Calibri"/>
-              </a:rPr>
-              <a:t>removeItem</a:t>
-            </a:r>
-            <a:r>
-              <a:rPr lang="en-US" sz="2800" dirty="0" smtClean="0">
-                <a:solidFill>
-                  <a:srgbClr val="000000"/>
-                </a:solidFill>
-                <a:latin typeface="Calibri"/>
-              </a:rPr>
-              <a:t>”</a:t>
-            </a:r>
-            <a:endParaRPr dirty="0"/>
-          </a:p>
         </p:txBody>
       </p:sp>
       <p:pic>
         <p:nvPicPr>
-          <p:cNvPr id="5" name="Shape 77"/>
-          <p:cNvPicPr preferRelativeResize="0"/>
+          <p:cNvPr id="2" name="Picture 1"/>
+          <p:cNvPicPr>
+            <a:picLocks noChangeAspect="1"/>
+          </p:cNvPicPr>
           <p:nvPr/>
         </p:nvPicPr>
         <p:blipFill>
@@ -4524,24 +4413,15 @@
         </p:blipFill>
         <p:spPr>
           <a:xfrm>
-            <a:off x="10704754" y="4998286"/>
-            <a:ext cx="1297132" cy="1695044"/>
-          </a:xfrm>
-          <a:prstGeom prst="rect">
-            <a:avLst/>
-          </a:prstGeom>
-          <a:noFill/>
-          <a:ln>
-            <a:noFill/>
-          </a:ln>
+            <a:off x="3866255" y="1690200"/>
+            <a:ext cx="7961364" cy="4981958"/>
+          </a:xfrm>
+          <a:prstGeom prst="rect">
+            <a:avLst/>
+          </a:prstGeom>
         </p:spPr>
       </p:pic>
     </p:spTree>
-    <p:extLst>
-      <p:ext uri="{BB962C8B-B14F-4D97-AF65-F5344CB8AC3E}">
-        <p14:creationId xmlns:p14="http://schemas.microsoft.com/office/powerpoint/2010/main" val="347946079"/>
-      </p:ext>
-    </p:extLst>
   </p:cSld>
   <p:clrMapOvr>
     <a:masterClrMapping/>
@@ -4595,137 +4475,6 @@
       </p:grpSpPr>
       <p:sp>
         <p:nvSpPr>
-          <p:cNvPr id="84" name="TextShape 1"/>
-          <p:cNvSpPr txBox="1"/>
-          <p:nvPr/>
-        </p:nvSpPr>
-        <p:spPr>
-          <a:xfrm>
-            <a:off x="838080" y="365040"/>
-            <a:ext cx="10515240" cy="1325160"/>
-          </a:xfrm>
-          <a:prstGeom prst="rect">
-            <a:avLst/>
-          </a:prstGeom>
-        </p:spPr>
-        <p:txBody>
-          <a:bodyPr anchor="ctr"/>
-          <a:lstStyle/>
-          <a:p>
-            <a:pPr>
-              <a:lnSpc>
-                <a:spcPct val="90000"/>
-              </a:lnSpc>
-            </a:pPr>
-            <a:r>
-              <a:rPr lang="en-US" sz="4400" dirty="0">
-                <a:solidFill>
-                  <a:srgbClr val="000000"/>
-                </a:solidFill>
-                <a:latin typeface="Calibri Light"/>
-              </a:rPr>
-              <a:t>data.js </a:t>
-            </a:r>
-            <a:r>
-              <a:rPr lang="en-US" sz="4400" dirty="0" err="1" smtClean="0">
-                <a:solidFill>
-                  <a:srgbClr val="000000"/>
-                </a:solidFill>
-                <a:latin typeface="Calibri Light"/>
-              </a:rPr>
-              <a:t>removeItem</a:t>
-            </a:r>
-            <a:r>
-              <a:rPr lang="en-US" sz="4400" dirty="0" smtClean="0">
-                <a:solidFill>
-                  <a:srgbClr val="000000"/>
-                </a:solidFill>
-                <a:latin typeface="Calibri Light"/>
-              </a:rPr>
-              <a:t>()</a:t>
-            </a:r>
-            <a:endParaRPr dirty="0"/>
-          </a:p>
-        </p:txBody>
-      </p:sp>
-      <p:pic>
-        <p:nvPicPr>
-          <p:cNvPr id="2" name="Picture 1"/>
-          <p:cNvPicPr>
-            <a:picLocks noChangeAspect="1"/>
-          </p:cNvPicPr>
-          <p:nvPr/>
-        </p:nvPicPr>
-        <p:blipFill>
-          <a:blip r:embed="rId2"/>
-          <a:stretch>
-            <a:fillRect/>
-          </a:stretch>
-        </p:blipFill>
-        <p:spPr>
-          <a:xfrm>
-            <a:off x="3866255" y="1690200"/>
-            <a:ext cx="7961364" cy="4981958"/>
-          </a:xfrm>
-          <a:prstGeom prst="rect">
-            <a:avLst/>
-          </a:prstGeom>
-        </p:spPr>
-      </p:pic>
-    </p:spTree>
-  </p:cSld>
-  <p:clrMapOvr>
-    <a:masterClrMapping/>
-  </p:clrMapOvr>
-  <p:timing>
-    <p:tnLst>
-      <p:par>
-        <p:cTn id="1" dur="indefinite" restart="never" nodeType="tmRoot">
-          <p:childTnLst>
-            <p:seq>
-              <p:cTn id="2" nodeType="mainSeq"/>
-              <p:prevCondLst>
-                <p:cond evt="onPrev" delay="0">
-                  <p:tgtEl>
-                    <p:sldTgt/>
-                  </p:tgtEl>
-                </p:cond>
-              </p:prevCondLst>
-              <p:nextCondLst>
-                <p:cond evt="onNext" delay="0">
-                  <p:tgtEl>
-                    <p:sldTgt/>
-                  </p:tgtEl>
-                </p:cond>
-              </p:nextCondLst>
-            </p:seq>
-          </p:childTnLst>
-        </p:cTn>
-      </p:par>
-    </p:tnLst>
-  </p:timing>
-</p:sld>
-</file>
-
-<file path=ppt/slides/slide5.xml><?xml version="1.0" encoding="utf-8"?>
-<p:sld xmlns:a="http://schemas.openxmlformats.org/drawingml/2006/main" xmlns:r="http://schemas.openxmlformats.org/officeDocument/2006/relationships" xmlns:p="http://schemas.openxmlformats.org/presentationml/2006/main">
-  <p:cSld>
-    <p:spTree>
-      <p:nvGrpSpPr>
-        <p:cNvPr id="1" name=""/>
-        <p:cNvGrpSpPr/>
-        <p:nvPr/>
-      </p:nvGrpSpPr>
-      <p:grpSpPr>
-        <a:xfrm>
-          <a:off x="0" y="0"/>
-          <a:ext cx="0" cy="0"/>
-          <a:chOff x="0" y="0"/>
-          <a:chExt cx="0" cy="0"/>
-        </a:xfrm>
-      </p:grpSpPr>
-      <p:sp>
-        <p:nvSpPr>
           <p:cNvPr id="86" name="TextShape 1"/>
           <p:cNvSpPr txBox="1"/>
           <p:nvPr/>
@@ -4755,7 +4504,16 @@
                 </a:solidFill>
                 <a:latin typeface="Calibri Light"/>
               </a:rPr>
-              <a:t>task.js DELETE</a:t>
+              <a:t>Step #2: add task.js </a:t>
+            </a:r>
+            <a:r>
+              <a:rPr lang="en-US" sz="4400" dirty="0" smtClean="0">
+                <a:solidFill>
+                  <a:srgbClr val="000000"/>
+                </a:solidFill>
+                <a:latin typeface="Calibri Light"/>
+              </a:rPr>
+              <a:t>DELETE</a:t>
             </a:r>
             <a:endParaRPr dirty="0"/>
           </a:p>
